--- a/Documents_And_Presentation/p2t5_Presentation_final.pptx
+++ b/Documents_And_Presentation/p2t5_Presentation_final.pptx
@@ -127,6 +127,7 @@
     <p1510:client id="{134813D7-EFD8-4433-940B-70EA61F16EF2}" v="48" dt="2022-07-16T21:17:00.035"/>
     <p1510:client id="{19B3BC54-1DEC-4B93-A783-F034F921CF7A}" v="3" dt="2022-07-17T16:39:22.240"/>
     <p1510:client id="{60B4C9D0-B843-4247-B27F-A574022EC5DB}" v="33" dt="2022-07-18T05:00:51.877"/>
+    <p1510:client id="{60EC936F-4FB0-4502-8C2D-67A2079F7BF7}" v="4" dt="2022-07-18T14:51:52.562"/>
     <p1510:client id="{8A0632D6-03C8-4B40-BA80-38910903E1E6}" v="16" dt="2022-07-17T15:35:14.494"/>
     <p1510:client id="{8D139724-27A3-4C81-9B0D-7750AE139DFB}" v="73" dt="2022-07-16T15:25:09.459"/>
     <p1510:client id="{C85A3183-1A2F-4341-BD55-7EC12E2A965B}" v="11" dt="2022-07-16T15:19:36.849"/>
@@ -298,7 +299,7 @@
           <a:p>
             <a:fld id="{1160EA64-D806-43AC-9DF2-F8C432F32B4C}" type="datetimeFigureOut">
               <a:rPr lang="en-US" dirty="0"/>
-              <a:t>7/17/2022</a:t>
+              <a:t>7/18/2022</a:t>
             </a:fld>
             <a:endParaRPr lang="en-US" dirty="0"/>
           </a:p>
@@ -464,7 +465,7 @@
           <a:p>
             <a:fld id="{E9F9C37B-1D36-470B-8223-D6C91242EC14}" type="datetimeFigureOut">
               <a:rPr lang="en-US" dirty="0"/>
-              <a:t>7/17/2022</a:t>
+              <a:t>7/18/2022</a:t>
             </a:fld>
             <a:endParaRPr lang="en-US" dirty="0"/>
           </a:p>
@@ -639,7 +640,7 @@
           <a:p>
             <a:fld id="{67C6F52A-A82B-47A2-A83A-8C4C91F2D59F}" type="datetimeFigureOut">
               <a:rPr lang="en-US" dirty="0"/>
-              <a:t>7/17/2022</a:t>
+              <a:t>7/18/2022</a:t>
             </a:fld>
             <a:endParaRPr lang="en-US" dirty="0"/>
           </a:p>
@@ -804,7 +805,7 @@
           <a:p>
             <a:fld id="{F070A7B3-6521-4DCA-87E5-044747A908C1}" type="datetimeFigureOut">
               <a:rPr lang="en-US" dirty="0"/>
-              <a:t>7/17/2022</a:t>
+              <a:t>7/18/2022</a:t>
             </a:fld>
             <a:endParaRPr lang="en-US" dirty="0"/>
           </a:p>
@@ -1068,7 +1069,7 @@
           <a:p>
             <a:fld id="{1160EA64-D806-43AC-9DF2-F8C432F32B4C}" type="datetimeFigureOut">
               <a:rPr lang="en-US" dirty="0"/>
-              <a:t>7/17/2022</a:t>
+              <a:t>7/18/2022</a:t>
             </a:fld>
             <a:endParaRPr lang="en-US" dirty="0"/>
           </a:p>
@@ -1296,7 +1297,7 @@
           <a:p>
             <a:fld id="{AB134690-1557-4C89-A502-4959FE7FAD70}" type="datetimeFigureOut">
               <a:rPr lang="en-US" dirty="0"/>
-              <a:t>7/17/2022</a:t>
+              <a:t>7/18/2022</a:t>
             </a:fld>
             <a:endParaRPr lang="en-US" dirty="0"/>
           </a:p>
@@ -1650,7 +1651,7 @@
           <a:p>
             <a:fld id="{4F7D4976-E339-4826-83B7-FBD03F55ECF8}" type="datetimeFigureOut">
               <a:rPr lang="en-US" dirty="0"/>
-              <a:t>7/17/2022</a:t>
+              <a:t>7/18/2022</a:t>
             </a:fld>
             <a:endParaRPr lang="en-US" dirty="0"/>
           </a:p>
@@ -1786,7 +1787,7 @@
           <a:p>
             <a:fld id="{E1037C31-9E7A-4F99-8774-A0E530DE1A42}" type="datetimeFigureOut">
               <a:rPr lang="en-US" dirty="0"/>
-              <a:t>7/17/2022</a:t>
+              <a:t>7/18/2022</a:t>
             </a:fld>
             <a:endParaRPr lang="en-US" dirty="0"/>
           </a:p>
@@ -1876,7 +1877,7 @@
           <a:p>
             <a:fld id="{C278504F-A551-4DE0-9316-4DCD1D8CC752}" type="datetimeFigureOut">
               <a:rPr lang="en-US" dirty="0"/>
-              <a:t>7/17/2022</a:t>
+              <a:t>7/18/2022</a:t>
             </a:fld>
             <a:endParaRPr lang="en-US" dirty="0"/>
           </a:p>
@@ -2228,7 +2229,7 @@
           <a:p>
             <a:fld id="{D1BE4249-C0D0-4B06-8692-E8BB871AF643}" type="datetimeFigureOut">
               <a:rPr lang="en-US" dirty="0"/>
-              <a:t>7/17/2022</a:t>
+              <a:t>7/18/2022</a:t>
             </a:fld>
             <a:endParaRPr lang="en-US" dirty="0"/>
           </a:p>
@@ -2580,7 +2581,7 @@
           <a:p>
             <a:fld id="{042B0DB6-F5C7-45FB-8CF3-31B45F9C2DAC}" type="datetimeFigureOut">
               <a:rPr lang="en-US" dirty="0"/>
-              <a:t>7/17/2022</a:t>
+              <a:t>7/18/2022</a:t>
             </a:fld>
             <a:endParaRPr lang="en-US" dirty="0"/>
           </a:p>
@@ -2816,7 +2817,7 @@
           <a:p>
             <a:fld id="{1160EA64-D806-43AC-9DF2-F8C432F32B4C}" type="datetimeFigureOut">
               <a:rPr lang="en-US" dirty="0"/>
-              <a:t>7/17/2022</a:t>
+              <a:t>7/18/2022</a:t>
             </a:fld>
             <a:endParaRPr lang="en-US" dirty="0"/>
           </a:p>
@@ -4018,7 +4019,7 @@
                 <a:ea typeface="+mn-lt"/>
                 <a:cs typeface="+mn-lt"/>
               </a:rPr>
-              <a:t>CSS/Bootstrap</a:t>
+              <a:t>CSS</a:t>
             </a:r>
           </a:p>
           <a:p>
